--- a/Morsepi presentation.pptx
+++ b/Morsepi presentation.pptx
@@ -5,7 +5,7 @@
     <p:sldMasterId id="2147483648" r:id="rId1"/>
   </p:sldMasterIdLst>
   <p:notesMasterIdLst>
-    <p:notesMasterId r:id="rId8"/>
+    <p:notesMasterId r:id="rId9"/>
   </p:notesMasterIdLst>
   <p:sldIdLst>
     <p:sldId id="256" r:id="rId2"/>
@@ -14,6 +14,7 @@
     <p:sldId id="261" r:id="rId5"/>
     <p:sldId id="262" r:id="rId6"/>
     <p:sldId id="259" r:id="rId7"/>
+    <p:sldId id="263" r:id="rId8"/>
   </p:sldIdLst>
   <p:sldSz cx="12192000" cy="6858000"/>
   <p:notesSz cx="6858000" cy="9144000"/>
@@ -214,7 +215,7 @@
           <a:p>
             <a:fld id="{2ECBC9FF-1336-4608-86B5-7E548468CF57}" type="datetimeFigureOut">
               <a:rPr lang="en-US" smtClean="0"/>
-              <a:t>4/13/2018</a:t>
+              <a:t>4/14/2018</a:t>
             </a:fld>
             <a:endParaRPr lang="en-US"/>
           </a:p>
@@ -711,7 +712,7 @@
             <a:fld id="{B61BEF0D-F0BB-DE4B-95CE-6DB70DBA9567}" type="datetimeFigureOut">
               <a:rPr lang="en-US" dirty="0"/>
               <a:pPr/>
-              <a:t>4/13/2018</a:t>
+              <a:t>4/14/2018</a:t>
             </a:fld>
             <a:endParaRPr lang="en-US" dirty="0"/>
           </a:p>
@@ -1042,7 +1043,7 @@
             <a:fld id="{B61BEF0D-F0BB-DE4B-95CE-6DB70DBA9567}" type="datetimeFigureOut">
               <a:rPr lang="en-US" dirty="0"/>
               <a:pPr/>
-              <a:t>4/13/2018</a:t>
+              <a:t>4/14/2018</a:t>
             </a:fld>
             <a:endParaRPr lang="en-US" dirty="0"/>
           </a:p>
@@ -1317,7 +1318,7 @@
             <a:fld id="{B61BEF0D-F0BB-DE4B-95CE-6DB70DBA9567}" type="datetimeFigureOut">
               <a:rPr lang="en-US" dirty="0"/>
               <a:pPr/>
-              <a:t>4/13/2018</a:t>
+              <a:t>4/14/2018</a:t>
             </a:fld>
             <a:endParaRPr lang="en-US" dirty="0"/>
           </a:p>
@@ -1882,7 +1883,7 @@
             <a:fld id="{B61BEF0D-F0BB-DE4B-95CE-6DB70DBA9567}" type="datetimeFigureOut">
               <a:rPr lang="en-US" dirty="0"/>
               <a:pPr/>
-              <a:t>4/13/2018</a:t>
+              <a:t>4/14/2018</a:t>
             </a:fld>
             <a:endParaRPr lang="en-US" dirty="0"/>
           </a:p>
@@ -2157,7 +2158,7 @@
             <a:fld id="{B61BEF0D-F0BB-DE4B-95CE-6DB70DBA9567}" type="datetimeFigureOut">
               <a:rPr lang="en-US" dirty="0"/>
               <a:pPr/>
-              <a:t>4/13/2018</a:t>
+              <a:t>4/14/2018</a:t>
             </a:fld>
             <a:endParaRPr lang="en-US" dirty="0"/>
           </a:p>
@@ -2716,7 +2717,7 @@
             <a:fld id="{B61BEF0D-F0BB-DE4B-95CE-6DB70DBA9567}" type="datetimeFigureOut">
               <a:rPr lang="en-US" dirty="0"/>
               <a:pPr/>
-              <a:t>4/13/2018</a:t>
+              <a:t>4/14/2018</a:t>
             </a:fld>
             <a:endParaRPr lang="en-US" dirty="0"/>
           </a:p>
@@ -3040,7 +3041,7 @@
             <a:fld id="{B61BEF0D-F0BB-DE4B-95CE-6DB70DBA9567}" type="datetimeFigureOut">
               <a:rPr lang="en-US" dirty="0"/>
               <a:pPr/>
-              <a:t>4/13/2018</a:t>
+              <a:t>4/14/2018</a:t>
             </a:fld>
             <a:endParaRPr lang="en-US" dirty="0"/>
           </a:p>
@@ -3214,7 +3215,7 @@
             <a:fld id="{B61BEF0D-F0BB-DE4B-95CE-6DB70DBA9567}" type="datetimeFigureOut">
               <a:rPr lang="en-US" dirty="0"/>
               <a:pPr/>
-              <a:t>4/13/2018</a:t>
+              <a:t>4/14/2018</a:t>
             </a:fld>
             <a:endParaRPr lang="en-US" dirty="0"/>
           </a:p>
@@ -3449,7 +3450,7 @@
             <a:fld id="{B61BEF0D-F0BB-DE4B-95CE-6DB70DBA9567}" type="datetimeFigureOut">
               <a:rPr lang="en-US" dirty="0"/>
               <a:pPr/>
-              <a:t>4/13/2018</a:t>
+              <a:t>4/14/2018</a:t>
             </a:fld>
             <a:endParaRPr lang="en-US" dirty="0"/>
           </a:p>
@@ -3646,7 +3647,7 @@
             <a:fld id="{B61BEF0D-F0BB-DE4B-95CE-6DB70DBA9567}" type="datetimeFigureOut">
               <a:rPr lang="en-US" dirty="0"/>
               <a:pPr/>
-              <a:t>4/13/2018</a:t>
+              <a:t>4/14/2018</a:t>
             </a:fld>
             <a:endParaRPr lang="en-US" dirty="0"/>
           </a:p>
@@ -3919,7 +3920,7 @@
             <a:fld id="{B61BEF0D-F0BB-DE4B-95CE-6DB70DBA9567}" type="datetimeFigureOut">
               <a:rPr lang="en-US" dirty="0"/>
               <a:pPr/>
-              <a:t>4/13/2018</a:t>
+              <a:t>4/14/2018</a:t>
             </a:fld>
             <a:endParaRPr lang="en-US" dirty="0"/>
           </a:p>
@@ -4182,7 +4183,7 @@
             <a:fld id="{B61BEF0D-F0BB-DE4B-95CE-6DB70DBA9567}" type="datetimeFigureOut">
               <a:rPr lang="en-US" dirty="0"/>
               <a:pPr/>
-              <a:t>4/13/2018</a:t>
+              <a:t>4/14/2018</a:t>
             </a:fld>
             <a:endParaRPr lang="en-US" dirty="0"/>
           </a:p>
@@ -4553,7 +4554,7 @@
             <a:fld id="{B61BEF0D-F0BB-DE4B-95CE-6DB70DBA9567}" type="datetimeFigureOut">
               <a:rPr lang="en-US" dirty="0"/>
               <a:pPr/>
-              <a:t>4/13/2018</a:t>
+              <a:t>4/14/2018</a:t>
             </a:fld>
             <a:endParaRPr lang="en-US" dirty="0"/>
           </a:p>
@@ -4698,7 +4699,7 @@
             <a:fld id="{B61BEF0D-F0BB-DE4B-95CE-6DB70DBA9567}" type="datetimeFigureOut">
               <a:rPr lang="en-US" dirty="0"/>
               <a:pPr/>
-              <a:t>4/13/2018</a:t>
+              <a:t>4/14/2018</a:t>
             </a:fld>
             <a:endParaRPr lang="en-US" dirty="0"/>
           </a:p>
@@ -4820,7 +4821,7 @@
             <a:fld id="{B61BEF0D-F0BB-DE4B-95CE-6DB70DBA9567}" type="datetimeFigureOut">
               <a:rPr lang="en-US" dirty="0"/>
               <a:pPr/>
-              <a:t>4/13/2018</a:t>
+              <a:t>4/14/2018</a:t>
             </a:fld>
             <a:endParaRPr lang="en-US" dirty="0"/>
           </a:p>
@@ -5102,7 +5103,7 @@
             <a:fld id="{B61BEF0D-F0BB-DE4B-95CE-6DB70DBA9567}" type="datetimeFigureOut">
               <a:rPr lang="en-US" dirty="0"/>
               <a:pPr/>
-              <a:t>4/13/2018</a:t>
+              <a:t>4/14/2018</a:t>
             </a:fld>
             <a:endParaRPr lang="en-US" dirty="0"/>
           </a:p>
@@ -5423,7 +5424,7 @@
             <a:fld id="{B61BEF0D-F0BB-DE4B-95CE-6DB70DBA9567}" type="datetimeFigureOut">
               <a:rPr lang="en-US" dirty="0"/>
               <a:pPr/>
-              <a:t>4/13/2018</a:t>
+              <a:t>4/14/2018</a:t>
             </a:fld>
             <a:endParaRPr lang="en-US" dirty="0"/>
           </a:p>
@@ -5634,7 +5635,7 @@
             <a:fld id="{B61BEF0D-F0BB-DE4B-95CE-6DB70DBA9567}" type="datetimeFigureOut">
               <a:rPr lang="en-US" dirty="0"/>
               <a:pPr/>
-              <a:t>4/13/2018</a:t>
+              <a:t>4/14/2018</a:t>
             </a:fld>
             <a:endParaRPr lang="en-US" dirty="0"/>
           </a:p>
@@ -6391,6 +6392,36 @@
           </a:prstGeom>
         </p:spPr>
       </p:pic>
+      <p:pic>
+        <p:nvPicPr>
+          <p:cNvPr id="5" name="Picture 4"/>
+          <p:cNvPicPr>
+            <a:picLocks noChangeAspect="1"/>
+          </p:cNvPicPr>
+          <p:nvPr/>
+        </p:nvPicPr>
+        <p:blipFill>
+          <a:blip r:embed="rId3">
+            <a:extLst>
+              <a:ext uri="{28A0092B-C50C-407E-A947-70E740481C1C}">
+                <a14:useLocalDpi xmlns:a14="http://schemas.microsoft.com/office/drawing/2010/main" val="0"/>
+              </a:ext>
+            </a:extLst>
+          </a:blip>
+          <a:stretch>
+            <a:fillRect/>
+          </a:stretch>
+        </p:blipFill>
+        <p:spPr>
+          <a:xfrm>
+            <a:off x="8417160" y="4434840"/>
+            <a:ext cx="3121732" cy="2080260"/>
+          </a:xfrm>
+          <a:prstGeom prst="rect">
+            <a:avLst/>
+          </a:prstGeom>
+        </p:spPr>
+      </p:pic>
     </p:spTree>
     <p:extLst>
       <p:ext uri="{BB962C8B-B14F-4D97-AF65-F5344CB8AC3E}">
@@ -6703,8 +6734,8 @@
           </a:p>
         </p:txBody>
       </p:sp>
-      <mc:AlternateContent xmlns:mc="http://schemas.openxmlformats.org/markup-compatibility/2006">
-        <mc:Choice xmlns:a14="http://schemas.microsoft.com/office/drawing/2010/main" Requires="a14">
+      <mc:AlternateContent xmlns:mc="http://schemas.openxmlformats.org/markup-compatibility/2006" xmlns:a14="http://schemas.microsoft.com/office/drawing/2010/main">
+        <mc:Choice Requires="a14">
           <p:sp>
             <p:nvSpPr>
               <p:cNvPr id="10" name="TextBox 9">
@@ -6754,7 +6785,7 @@
             </p:txBody>
           </p:sp>
         </mc:Choice>
-        <mc:Fallback>
+        <mc:Fallback xmlns="">
           <p:sp>
             <p:nvSpPr>
               <p:cNvPr id="10" name="TextBox 9">
@@ -6799,8 +6830,8 @@
           </p:sp>
         </mc:Fallback>
       </mc:AlternateContent>
-      <mc:AlternateContent xmlns:mc="http://schemas.openxmlformats.org/markup-compatibility/2006">
-        <mc:Choice xmlns:a14="http://schemas.microsoft.com/office/drawing/2010/main" Requires="a14">
+      <mc:AlternateContent xmlns:mc="http://schemas.openxmlformats.org/markup-compatibility/2006" xmlns:a14="http://schemas.microsoft.com/office/drawing/2010/main">
+        <mc:Choice Requires="a14">
           <p:sp>
             <p:nvSpPr>
               <p:cNvPr id="11" name="TextBox 10">
@@ -6850,7 +6881,7 @@
             </p:txBody>
           </p:sp>
         </mc:Choice>
-        <mc:Fallback>
+        <mc:Fallback xmlns="">
           <p:sp>
             <p:nvSpPr>
               <p:cNvPr id="11" name="TextBox 10">
@@ -6993,7 +7024,6 @@
           </a:bodyPr>
           <a:lstStyle/>
           <a:p>
-            <a:pPr/>
             <a:r>
               <a:rPr lang="en-US" sz="1600" dirty="0"/>
               <a:t>Complete set = $338.34CAD including tax</a:t>
@@ -7154,8 +7184,8 @@
           </a:prstGeom>
         </p:spPr>
       </p:pic>
-      <mc:AlternateContent xmlns:mc="http://schemas.openxmlformats.org/markup-compatibility/2006">
-        <mc:Choice xmlns:a14="http://schemas.microsoft.com/office/drawing/2010/main" Requires="a14">
+      <mc:AlternateContent xmlns:mc="http://schemas.openxmlformats.org/markup-compatibility/2006" xmlns:a14="http://schemas.microsoft.com/office/drawing/2010/main">
+        <mc:Choice Requires="a14">
           <p:sp>
             <p:nvSpPr>
               <p:cNvPr id="24" name="TextBox 23">
@@ -7184,6 +7214,7 @@
               </a:bodyPr>
               <a:lstStyle/>
               <a:p>
+                <a:pPr/>
                 <a14:m>
                   <m:oMathPara xmlns:m="http://schemas.openxmlformats.org/officeDocument/2006/math">
                     <m:oMathParaPr>
@@ -7204,7 +7235,7 @@
             </p:txBody>
           </p:sp>
         </mc:Choice>
-        <mc:Fallback>
+        <mc:Fallback xmlns="">
           <p:sp>
             <p:nvSpPr>
               <p:cNvPr id="24" name="TextBox 23">
@@ -7448,14 +7479,15 @@
         <p:spPr/>
         <p:txBody>
           <a:bodyPr>
-            <a:normAutofit/>
+            <a:normAutofit fontScale="85000" lnSpcReduction="20000"/>
           </a:bodyPr>
           <a:lstStyle/>
           <a:p>
             <a:r>
-              <a:rPr lang="en-US" sz="5400" dirty="0"/>
-              <a:t>NOT SURE IF TO ADD THIS</a:t>
-            </a:r>
+              <a:rPr lang="en-US" sz="5400" dirty="0" smtClean="0"/>
+              <a:t>Requirements of Morse and how it works in our system</a:t>
+            </a:r>
+            <a:endParaRPr lang="en-US" sz="5400" dirty="0"/>
           </a:p>
         </p:txBody>
       </p:sp>
@@ -7477,10 +7509,120 @@
         </p:nvSpPr>
         <p:spPr/>
       </p:sp>
+      <p:pic>
+        <p:nvPicPr>
+          <p:cNvPr id="7" name="Picture 6"/>
+          <p:cNvPicPr>
+            <a:picLocks noChangeAspect="1"/>
+          </p:cNvPicPr>
+          <p:nvPr/>
+        </p:nvPicPr>
+        <p:blipFill>
+          <a:blip r:embed="rId2">
+            <a:extLst>
+              <a:ext uri="{28A0092B-C50C-407E-A947-70E740481C1C}">
+                <a14:useLocalDpi xmlns:a14="http://schemas.microsoft.com/office/drawing/2010/main" val="0"/>
+              </a:ext>
+            </a:extLst>
+          </a:blip>
+          <a:stretch>
+            <a:fillRect/>
+          </a:stretch>
+        </p:blipFill>
+        <p:spPr>
+          <a:xfrm>
+            <a:off x="7536253" y="914400"/>
+            <a:ext cx="3280974" cy="4572000"/>
+          </a:xfrm>
+          <a:prstGeom prst="rect">
+            <a:avLst/>
+          </a:prstGeom>
+        </p:spPr>
+      </p:pic>
     </p:spTree>
     <p:extLst>
       <p:ext uri="{BB962C8B-B14F-4D97-AF65-F5344CB8AC3E}">
         <p14:creationId xmlns:p14="http://schemas.microsoft.com/office/powerpoint/2010/main" val="3340314107"/>
+      </p:ext>
+    </p:extLst>
+  </p:cSld>
+  <p:clrMapOvr>
+    <a:masterClrMapping/>
+  </p:clrMapOvr>
+</p:sld>
+</file>
+
+<file path=ppt/slides/slide7.xml><?xml version="1.0" encoding="utf-8"?>
+<p:sld xmlns:a="http://schemas.openxmlformats.org/drawingml/2006/main" xmlns:r="http://schemas.openxmlformats.org/officeDocument/2006/relationships" xmlns:p="http://schemas.openxmlformats.org/presentationml/2006/main">
+  <p:cSld>
+    <p:spTree>
+      <p:nvGrpSpPr>
+        <p:cNvPr id="1" name=""/>
+        <p:cNvGrpSpPr/>
+        <p:nvPr/>
+      </p:nvGrpSpPr>
+      <p:grpSpPr>
+        <a:xfrm>
+          <a:off x="0" y="0"/>
+          <a:ext cx="0" cy="0"/>
+          <a:chOff x="0" y="0"/>
+          <a:chExt cx="0" cy="0"/>
+        </a:xfrm>
+      </p:grpSpPr>
+      <p:sp>
+        <p:nvSpPr>
+          <p:cNvPr id="2" name="Title 1"/>
+          <p:cNvSpPr>
+            <a:spLocks noGrp="1"/>
+          </p:cNvSpPr>
+          <p:nvPr>
+            <p:ph type="title"/>
+          </p:nvPr>
+        </p:nvSpPr>
+        <p:spPr/>
+        <p:txBody>
+          <a:bodyPr/>
+          <a:lstStyle/>
+          <a:p>
+            <a:endParaRPr lang="en-US"/>
+          </a:p>
+        </p:txBody>
+      </p:sp>
+      <p:sp>
+        <p:nvSpPr>
+          <p:cNvPr id="3" name="Picture Placeholder 2"/>
+          <p:cNvSpPr>
+            <a:spLocks noGrp="1"/>
+          </p:cNvSpPr>
+          <p:nvPr>
+            <p:ph type="pic" idx="1"/>
+          </p:nvPr>
+        </p:nvSpPr>
+        <p:spPr/>
+      </p:sp>
+      <p:sp>
+        <p:nvSpPr>
+          <p:cNvPr id="4" name="Text Placeholder 3"/>
+          <p:cNvSpPr>
+            <a:spLocks noGrp="1"/>
+          </p:cNvSpPr>
+          <p:nvPr>
+            <p:ph type="body" sz="half" idx="2"/>
+          </p:nvPr>
+        </p:nvSpPr>
+        <p:spPr/>
+        <p:txBody>
+          <a:bodyPr/>
+          <a:lstStyle/>
+          <a:p>
+            <a:endParaRPr lang="en-US"/>
+          </a:p>
+        </p:txBody>
+      </p:sp>
+    </p:spTree>
+    <p:extLst>
+      <p:ext uri="{BB962C8B-B14F-4D97-AF65-F5344CB8AC3E}">
+        <p14:creationId xmlns:p14="http://schemas.microsoft.com/office/powerpoint/2010/main" val="93796906"/>
       </p:ext>
     </p:extLst>
   </p:cSld>

--- a/Morsepi presentation.pptx
+++ b/Morsepi presentation.pptx
@@ -215,7 +215,7 @@
           <a:p>
             <a:fld id="{2ECBC9FF-1336-4608-86B5-7E548468CF57}" type="datetimeFigureOut">
               <a:rPr lang="en-US" smtClean="0"/>
-              <a:t>4/14/2018</a:t>
+              <a:t>4/16/2018</a:t>
             </a:fld>
             <a:endParaRPr lang="en-US"/>
           </a:p>
@@ -712,7 +712,7 @@
             <a:fld id="{B61BEF0D-F0BB-DE4B-95CE-6DB70DBA9567}" type="datetimeFigureOut">
               <a:rPr lang="en-US" dirty="0"/>
               <a:pPr/>
-              <a:t>4/14/2018</a:t>
+              <a:t>4/16/2018</a:t>
             </a:fld>
             <a:endParaRPr lang="en-US" dirty="0"/>
           </a:p>
@@ -1043,7 +1043,7 @@
             <a:fld id="{B61BEF0D-F0BB-DE4B-95CE-6DB70DBA9567}" type="datetimeFigureOut">
               <a:rPr lang="en-US" dirty="0"/>
               <a:pPr/>
-              <a:t>4/14/2018</a:t>
+              <a:t>4/16/2018</a:t>
             </a:fld>
             <a:endParaRPr lang="en-US" dirty="0"/>
           </a:p>
@@ -1318,7 +1318,7 @@
             <a:fld id="{B61BEF0D-F0BB-DE4B-95CE-6DB70DBA9567}" type="datetimeFigureOut">
               <a:rPr lang="en-US" dirty="0"/>
               <a:pPr/>
-              <a:t>4/14/2018</a:t>
+              <a:t>4/16/2018</a:t>
             </a:fld>
             <a:endParaRPr lang="en-US" dirty="0"/>
           </a:p>
@@ -1883,7 +1883,7 @@
             <a:fld id="{B61BEF0D-F0BB-DE4B-95CE-6DB70DBA9567}" type="datetimeFigureOut">
               <a:rPr lang="en-US" dirty="0"/>
               <a:pPr/>
-              <a:t>4/14/2018</a:t>
+              <a:t>4/16/2018</a:t>
             </a:fld>
             <a:endParaRPr lang="en-US" dirty="0"/>
           </a:p>
@@ -2158,7 +2158,7 @@
             <a:fld id="{B61BEF0D-F0BB-DE4B-95CE-6DB70DBA9567}" type="datetimeFigureOut">
               <a:rPr lang="en-US" dirty="0"/>
               <a:pPr/>
-              <a:t>4/14/2018</a:t>
+              <a:t>4/16/2018</a:t>
             </a:fld>
             <a:endParaRPr lang="en-US" dirty="0"/>
           </a:p>
@@ -2717,7 +2717,7 @@
             <a:fld id="{B61BEF0D-F0BB-DE4B-95CE-6DB70DBA9567}" type="datetimeFigureOut">
               <a:rPr lang="en-US" dirty="0"/>
               <a:pPr/>
-              <a:t>4/14/2018</a:t>
+              <a:t>4/16/2018</a:t>
             </a:fld>
             <a:endParaRPr lang="en-US" dirty="0"/>
           </a:p>
@@ -3041,7 +3041,7 @@
             <a:fld id="{B61BEF0D-F0BB-DE4B-95CE-6DB70DBA9567}" type="datetimeFigureOut">
               <a:rPr lang="en-US" dirty="0"/>
               <a:pPr/>
-              <a:t>4/14/2018</a:t>
+              <a:t>4/16/2018</a:t>
             </a:fld>
             <a:endParaRPr lang="en-US" dirty="0"/>
           </a:p>
@@ -3215,7 +3215,7 @@
             <a:fld id="{B61BEF0D-F0BB-DE4B-95CE-6DB70DBA9567}" type="datetimeFigureOut">
               <a:rPr lang="en-US" dirty="0"/>
               <a:pPr/>
-              <a:t>4/14/2018</a:t>
+              <a:t>4/16/2018</a:t>
             </a:fld>
             <a:endParaRPr lang="en-US" dirty="0"/>
           </a:p>
@@ -3450,7 +3450,7 @@
             <a:fld id="{B61BEF0D-F0BB-DE4B-95CE-6DB70DBA9567}" type="datetimeFigureOut">
               <a:rPr lang="en-US" dirty="0"/>
               <a:pPr/>
-              <a:t>4/14/2018</a:t>
+              <a:t>4/16/2018</a:t>
             </a:fld>
             <a:endParaRPr lang="en-US" dirty="0"/>
           </a:p>
@@ -3647,7 +3647,7 @@
             <a:fld id="{B61BEF0D-F0BB-DE4B-95CE-6DB70DBA9567}" type="datetimeFigureOut">
               <a:rPr lang="en-US" dirty="0"/>
               <a:pPr/>
-              <a:t>4/14/2018</a:t>
+              <a:t>4/16/2018</a:t>
             </a:fld>
             <a:endParaRPr lang="en-US" dirty="0"/>
           </a:p>
@@ -3920,7 +3920,7 @@
             <a:fld id="{B61BEF0D-F0BB-DE4B-95CE-6DB70DBA9567}" type="datetimeFigureOut">
               <a:rPr lang="en-US" dirty="0"/>
               <a:pPr/>
-              <a:t>4/14/2018</a:t>
+              <a:t>4/16/2018</a:t>
             </a:fld>
             <a:endParaRPr lang="en-US" dirty="0"/>
           </a:p>
@@ -4183,7 +4183,7 @@
             <a:fld id="{B61BEF0D-F0BB-DE4B-95CE-6DB70DBA9567}" type="datetimeFigureOut">
               <a:rPr lang="en-US" dirty="0"/>
               <a:pPr/>
-              <a:t>4/14/2018</a:t>
+              <a:t>4/16/2018</a:t>
             </a:fld>
             <a:endParaRPr lang="en-US" dirty="0"/>
           </a:p>
@@ -4554,7 +4554,7 @@
             <a:fld id="{B61BEF0D-F0BB-DE4B-95CE-6DB70DBA9567}" type="datetimeFigureOut">
               <a:rPr lang="en-US" dirty="0"/>
               <a:pPr/>
-              <a:t>4/14/2018</a:t>
+              <a:t>4/16/2018</a:t>
             </a:fld>
             <a:endParaRPr lang="en-US" dirty="0"/>
           </a:p>
@@ -4699,7 +4699,7 @@
             <a:fld id="{B61BEF0D-F0BB-DE4B-95CE-6DB70DBA9567}" type="datetimeFigureOut">
               <a:rPr lang="en-US" dirty="0"/>
               <a:pPr/>
-              <a:t>4/14/2018</a:t>
+              <a:t>4/16/2018</a:t>
             </a:fld>
             <a:endParaRPr lang="en-US" dirty="0"/>
           </a:p>
@@ -4821,7 +4821,7 @@
             <a:fld id="{B61BEF0D-F0BB-DE4B-95CE-6DB70DBA9567}" type="datetimeFigureOut">
               <a:rPr lang="en-US" dirty="0"/>
               <a:pPr/>
-              <a:t>4/14/2018</a:t>
+              <a:t>4/16/2018</a:t>
             </a:fld>
             <a:endParaRPr lang="en-US" dirty="0"/>
           </a:p>
@@ -5103,7 +5103,7 @@
             <a:fld id="{B61BEF0D-F0BB-DE4B-95CE-6DB70DBA9567}" type="datetimeFigureOut">
               <a:rPr lang="en-US" dirty="0"/>
               <a:pPr/>
-              <a:t>4/14/2018</a:t>
+              <a:t>4/16/2018</a:t>
             </a:fld>
             <a:endParaRPr lang="en-US" dirty="0"/>
           </a:p>
@@ -5424,7 +5424,7 @@
             <a:fld id="{B61BEF0D-F0BB-DE4B-95CE-6DB70DBA9567}" type="datetimeFigureOut">
               <a:rPr lang="en-US" dirty="0"/>
               <a:pPr/>
-              <a:t>4/14/2018</a:t>
+              <a:t>4/16/2018</a:t>
             </a:fld>
             <a:endParaRPr lang="en-US" dirty="0"/>
           </a:p>
@@ -5635,7 +5635,7 @@
             <a:fld id="{B61BEF0D-F0BB-DE4B-95CE-6DB70DBA9567}" type="datetimeFigureOut">
               <a:rPr lang="en-US" dirty="0"/>
               <a:pPr/>
-              <a:t>4/14/2018</a:t>
+              <a:t>4/16/2018</a:t>
             </a:fld>
             <a:endParaRPr lang="en-US" dirty="0"/>
           </a:p>
@@ -7584,7 +7584,11 @@
           <a:bodyPr/>
           <a:lstStyle/>
           <a:p>
-            <a:endParaRPr lang="en-US"/>
+            <a:r>
+              <a:rPr lang="en-US" dirty="0" smtClean="0"/>
+              <a:t>What we’ve learned for this project</a:t>
+            </a:r>
+            <a:endParaRPr lang="en-US" dirty="0"/>
           </a:p>
         </p:txBody>
       </p:sp>
@@ -7610,12 +7614,80 @@
             <p:ph type="body" sz="half" idx="2"/>
           </p:nvPr>
         </p:nvSpPr>
-        <p:spPr/>
+        <p:spPr>
+          <a:xfrm>
+            <a:off x="685800" y="2971800"/>
+            <a:ext cx="9341069" cy="2136228"/>
+          </a:xfrm>
+        </p:spPr>
         <p:txBody>
           <a:bodyPr/>
           <a:lstStyle/>
           <a:p>
-            <a:endParaRPr lang="en-US"/>
+            <a:pPr marL="285750" indent="-285750">
+              <a:buFont typeface="Arial" panose="020B0604020202020204" pitchFamily="34" charset="0"/>
+              <a:buChar char="•"/>
+            </a:pPr>
+            <a:r>
+              <a:rPr lang="en-US" dirty="0" smtClean="0"/>
+              <a:t>Python code for connecting to DB</a:t>
+            </a:r>
+          </a:p>
+          <a:p>
+            <a:pPr marL="285750" indent="-285750">
+              <a:buFont typeface="Arial" panose="020B0604020202020204" pitchFamily="34" charset="0"/>
+              <a:buChar char="•"/>
+            </a:pPr>
+            <a:r>
+              <a:rPr lang="en-US" dirty="0" smtClean="0"/>
+              <a:t>JSON objects for fetching from DB in Java and PHP</a:t>
+            </a:r>
+          </a:p>
+          <a:p>
+            <a:pPr marL="285750" indent="-285750">
+              <a:buFont typeface="Arial" panose="020B0604020202020204" pitchFamily="34" charset="0"/>
+              <a:buChar char="•"/>
+            </a:pPr>
+            <a:r>
+              <a:rPr lang="en-US" dirty="0" smtClean="0"/>
+              <a:t>Hardware and Software Solution for </a:t>
+            </a:r>
+            <a:r>
+              <a:rPr lang="en-US" dirty="0" err="1" smtClean="0"/>
+              <a:t>Debouncing</a:t>
+            </a:r>
+            <a:endParaRPr lang="en-US" dirty="0" smtClean="0"/>
+          </a:p>
+          <a:p>
+            <a:pPr marL="285750" indent="-285750">
+              <a:buFont typeface="Arial" panose="020B0604020202020204" pitchFamily="34" charset="0"/>
+              <a:buChar char="•"/>
+            </a:pPr>
+            <a:r>
+              <a:rPr lang="en-US" dirty="0" smtClean="0"/>
+              <a:t>XML views not fully discussed and learned in previous course</a:t>
+            </a:r>
+          </a:p>
+          <a:p>
+            <a:pPr marL="285750" indent="-285750">
+              <a:buFont typeface="Arial" panose="020B0604020202020204" pitchFamily="34" charset="0"/>
+              <a:buChar char="•"/>
+            </a:pPr>
+            <a:endParaRPr lang="en-US" dirty="0" smtClean="0"/>
+          </a:p>
+          <a:p>
+            <a:pPr marL="285750" indent="-285750">
+              <a:buFont typeface="Arial" panose="020B0604020202020204" pitchFamily="34" charset="0"/>
+              <a:buChar char="•"/>
+            </a:pPr>
+            <a:endParaRPr lang="en-US" dirty="0" smtClean="0"/>
+          </a:p>
+          <a:p>
+            <a:pPr marL="285750" indent="-285750">
+              <a:buFont typeface="Arial" panose="020B0604020202020204" pitchFamily="34" charset="0"/>
+              <a:buChar char="•"/>
+            </a:pPr>
+            <a:endParaRPr lang="en-US" dirty="0"/>
           </a:p>
         </p:txBody>
       </p:sp>

--- a/Morsepi presentation.pptx
+++ b/Morsepi presentation.pptx
@@ -5,7 +5,7 @@
     <p:sldMasterId id="2147483648" r:id="rId1"/>
   </p:sldMasterIdLst>
   <p:notesMasterIdLst>
-    <p:notesMasterId r:id="rId8"/>
+    <p:notesMasterId r:id="rId10"/>
   </p:notesMasterIdLst>
   <p:sldIdLst>
     <p:sldId id="256" r:id="rId2"/>
@@ -14,6 +14,8 @@
     <p:sldId id="261" r:id="rId5"/>
     <p:sldId id="262" r:id="rId6"/>
     <p:sldId id="259" r:id="rId7"/>
+    <p:sldId id="263" r:id="rId8"/>
+    <p:sldId id="264" r:id="rId9"/>
   </p:sldIdLst>
   <p:sldSz cx="12192000" cy="6858000"/>
   <p:notesSz cx="6858000" cy="9144000"/>
@@ -214,7 +216,7 @@
           <a:p>
             <a:fld id="{2ECBC9FF-1336-4608-86B5-7E548468CF57}" type="datetimeFigureOut">
               <a:rPr lang="en-US" smtClean="0"/>
-              <a:t>4/13/2018</a:t>
+              <a:t>4/16/2018</a:t>
             </a:fld>
             <a:endParaRPr lang="en-US"/>
           </a:p>
@@ -711,7 +713,7 @@
             <a:fld id="{B61BEF0D-F0BB-DE4B-95CE-6DB70DBA9567}" type="datetimeFigureOut">
               <a:rPr lang="en-US" dirty="0"/>
               <a:pPr/>
-              <a:t>4/13/2018</a:t>
+              <a:t>4/16/2018</a:t>
             </a:fld>
             <a:endParaRPr lang="en-US" dirty="0"/>
           </a:p>
@@ -1042,7 +1044,7 @@
             <a:fld id="{B61BEF0D-F0BB-DE4B-95CE-6DB70DBA9567}" type="datetimeFigureOut">
               <a:rPr lang="en-US" dirty="0"/>
               <a:pPr/>
-              <a:t>4/13/2018</a:t>
+              <a:t>4/16/2018</a:t>
             </a:fld>
             <a:endParaRPr lang="en-US" dirty="0"/>
           </a:p>
@@ -1317,7 +1319,7 @@
             <a:fld id="{B61BEF0D-F0BB-DE4B-95CE-6DB70DBA9567}" type="datetimeFigureOut">
               <a:rPr lang="en-US" dirty="0"/>
               <a:pPr/>
-              <a:t>4/13/2018</a:t>
+              <a:t>4/16/2018</a:t>
             </a:fld>
             <a:endParaRPr lang="en-US" dirty="0"/>
           </a:p>
@@ -1882,7 +1884,7 @@
             <a:fld id="{B61BEF0D-F0BB-DE4B-95CE-6DB70DBA9567}" type="datetimeFigureOut">
               <a:rPr lang="en-US" dirty="0"/>
               <a:pPr/>
-              <a:t>4/13/2018</a:t>
+              <a:t>4/16/2018</a:t>
             </a:fld>
             <a:endParaRPr lang="en-US" dirty="0"/>
           </a:p>
@@ -2157,7 +2159,7 @@
             <a:fld id="{B61BEF0D-F0BB-DE4B-95CE-6DB70DBA9567}" type="datetimeFigureOut">
               <a:rPr lang="en-US" dirty="0"/>
               <a:pPr/>
-              <a:t>4/13/2018</a:t>
+              <a:t>4/16/2018</a:t>
             </a:fld>
             <a:endParaRPr lang="en-US" dirty="0"/>
           </a:p>
@@ -2716,7 +2718,7 @@
             <a:fld id="{B61BEF0D-F0BB-DE4B-95CE-6DB70DBA9567}" type="datetimeFigureOut">
               <a:rPr lang="en-US" dirty="0"/>
               <a:pPr/>
-              <a:t>4/13/2018</a:t>
+              <a:t>4/16/2018</a:t>
             </a:fld>
             <a:endParaRPr lang="en-US" dirty="0"/>
           </a:p>
@@ -3040,7 +3042,7 @@
             <a:fld id="{B61BEF0D-F0BB-DE4B-95CE-6DB70DBA9567}" type="datetimeFigureOut">
               <a:rPr lang="en-US" dirty="0"/>
               <a:pPr/>
-              <a:t>4/13/2018</a:t>
+              <a:t>4/16/2018</a:t>
             </a:fld>
             <a:endParaRPr lang="en-US" dirty="0"/>
           </a:p>
@@ -3214,7 +3216,7 @@
             <a:fld id="{B61BEF0D-F0BB-DE4B-95CE-6DB70DBA9567}" type="datetimeFigureOut">
               <a:rPr lang="en-US" dirty="0"/>
               <a:pPr/>
-              <a:t>4/13/2018</a:t>
+              <a:t>4/16/2018</a:t>
             </a:fld>
             <a:endParaRPr lang="en-US" dirty="0"/>
           </a:p>
@@ -3449,7 +3451,7 @@
             <a:fld id="{B61BEF0D-F0BB-DE4B-95CE-6DB70DBA9567}" type="datetimeFigureOut">
               <a:rPr lang="en-US" dirty="0"/>
               <a:pPr/>
-              <a:t>4/13/2018</a:t>
+              <a:t>4/16/2018</a:t>
             </a:fld>
             <a:endParaRPr lang="en-US" dirty="0"/>
           </a:p>
@@ -3646,7 +3648,7 @@
             <a:fld id="{B61BEF0D-F0BB-DE4B-95CE-6DB70DBA9567}" type="datetimeFigureOut">
               <a:rPr lang="en-US" dirty="0"/>
               <a:pPr/>
-              <a:t>4/13/2018</a:t>
+              <a:t>4/16/2018</a:t>
             </a:fld>
             <a:endParaRPr lang="en-US" dirty="0"/>
           </a:p>
@@ -3919,7 +3921,7 @@
             <a:fld id="{B61BEF0D-F0BB-DE4B-95CE-6DB70DBA9567}" type="datetimeFigureOut">
               <a:rPr lang="en-US" dirty="0"/>
               <a:pPr/>
-              <a:t>4/13/2018</a:t>
+              <a:t>4/16/2018</a:t>
             </a:fld>
             <a:endParaRPr lang="en-US" dirty="0"/>
           </a:p>
@@ -4182,7 +4184,7 @@
             <a:fld id="{B61BEF0D-F0BB-DE4B-95CE-6DB70DBA9567}" type="datetimeFigureOut">
               <a:rPr lang="en-US" dirty="0"/>
               <a:pPr/>
-              <a:t>4/13/2018</a:t>
+              <a:t>4/16/2018</a:t>
             </a:fld>
             <a:endParaRPr lang="en-US" dirty="0"/>
           </a:p>
@@ -4553,7 +4555,7 @@
             <a:fld id="{B61BEF0D-F0BB-DE4B-95CE-6DB70DBA9567}" type="datetimeFigureOut">
               <a:rPr lang="en-US" dirty="0"/>
               <a:pPr/>
-              <a:t>4/13/2018</a:t>
+              <a:t>4/16/2018</a:t>
             </a:fld>
             <a:endParaRPr lang="en-US" dirty="0"/>
           </a:p>
@@ -4698,7 +4700,7 @@
             <a:fld id="{B61BEF0D-F0BB-DE4B-95CE-6DB70DBA9567}" type="datetimeFigureOut">
               <a:rPr lang="en-US" dirty="0"/>
               <a:pPr/>
-              <a:t>4/13/2018</a:t>
+              <a:t>4/16/2018</a:t>
             </a:fld>
             <a:endParaRPr lang="en-US" dirty="0"/>
           </a:p>
@@ -4820,7 +4822,7 @@
             <a:fld id="{B61BEF0D-F0BB-DE4B-95CE-6DB70DBA9567}" type="datetimeFigureOut">
               <a:rPr lang="en-US" dirty="0"/>
               <a:pPr/>
-              <a:t>4/13/2018</a:t>
+              <a:t>4/16/2018</a:t>
             </a:fld>
             <a:endParaRPr lang="en-US" dirty="0"/>
           </a:p>
@@ -5102,7 +5104,7 @@
             <a:fld id="{B61BEF0D-F0BB-DE4B-95CE-6DB70DBA9567}" type="datetimeFigureOut">
               <a:rPr lang="en-US" dirty="0"/>
               <a:pPr/>
-              <a:t>4/13/2018</a:t>
+              <a:t>4/16/2018</a:t>
             </a:fld>
             <a:endParaRPr lang="en-US" dirty="0"/>
           </a:p>
@@ -5423,7 +5425,7 @@
             <a:fld id="{B61BEF0D-F0BB-DE4B-95CE-6DB70DBA9567}" type="datetimeFigureOut">
               <a:rPr lang="en-US" dirty="0"/>
               <a:pPr/>
-              <a:t>4/13/2018</a:t>
+              <a:t>4/16/2018</a:t>
             </a:fld>
             <a:endParaRPr lang="en-US" dirty="0"/>
           </a:p>
@@ -5634,7 +5636,7 @@
             <a:fld id="{B61BEF0D-F0BB-DE4B-95CE-6DB70DBA9567}" type="datetimeFigureOut">
               <a:rPr lang="en-US" dirty="0"/>
               <a:pPr/>
-              <a:t>4/13/2018</a:t>
+              <a:t>4/16/2018</a:t>
             </a:fld>
             <a:endParaRPr lang="en-US" dirty="0"/>
           </a:p>
@@ -6391,6 +6393,36 @@
           </a:prstGeom>
         </p:spPr>
       </p:pic>
+      <p:pic>
+        <p:nvPicPr>
+          <p:cNvPr id="5" name="Picture 4"/>
+          <p:cNvPicPr>
+            <a:picLocks noChangeAspect="1"/>
+          </p:cNvPicPr>
+          <p:nvPr/>
+        </p:nvPicPr>
+        <p:blipFill>
+          <a:blip r:embed="rId3">
+            <a:extLst>
+              <a:ext uri="{28A0092B-C50C-407E-A947-70E740481C1C}">
+                <a14:useLocalDpi xmlns:a14="http://schemas.microsoft.com/office/drawing/2010/main" val="0"/>
+              </a:ext>
+            </a:extLst>
+          </a:blip>
+          <a:stretch>
+            <a:fillRect/>
+          </a:stretch>
+        </p:blipFill>
+        <p:spPr>
+          <a:xfrm>
+            <a:off x="8417160" y="4434840"/>
+            <a:ext cx="3121732" cy="2080260"/>
+          </a:xfrm>
+          <a:prstGeom prst="rect">
+            <a:avLst/>
+          </a:prstGeom>
+        </p:spPr>
+      </p:pic>
     </p:spTree>
     <p:extLst>
       <p:ext uri="{BB962C8B-B14F-4D97-AF65-F5344CB8AC3E}">
@@ -6703,8 +6735,8 @@
           </a:p>
         </p:txBody>
       </p:sp>
-      <mc:AlternateContent xmlns:mc="http://schemas.openxmlformats.org/markup-compatibility/2006">
-        <mc:Choice xmlns:a14="http://schemas.microsoft.com/office/drawing/2010/main" Requires="a14">
+      <mc:AlternateContent xmlns:mc="http://schemas.openxmlformats.org/markup-compatibility/2006" xmlns:a14="http://schemas.microsoft.com/office/drawing/2010/main">
+        <mc:Choice Requires="a14">
           <p:sp>
             <p:nvSpPr>
               <p:cNvPr id="10" name="TextBox 9">
@@ -6754,7 +6786,7 @@
             </p:txBody>
           </p:sp>
         </mc:Choice>
-        <mc:Fallback>
+        <mc:Fallback xmlns="">
           <p:sp>
             <p:nvSpPr>
               <p:cNvPr id="10" name="TextBox 9">
@@ -6799,8 +6831,8 @@
           </p:sp>
         </mc:Fallback>
       </mc:AlternateContent>
-      <mc:AlternateContent xmlns:mc="http://schemas.openxmlformats.org/markup-compatibility/2006">
-        <mc:Choice xmlns:a14="http://schemas.microsoft.com/office/drawing/2010/main" Requires="a14">
+      <mc:AlternateContent xmlns:mc="http://schemas.openxmlformats.org/markup-compatibility/2006" xmlns:a14="http://schemas.microsoft.com/office/drawing/2010/main">
+        <mc:Choice Requires="a14">
           <p:sp>
             <p:nvSpPr>
               <p:cNvPr id="11" name="TextBox 10">
@@ -6850,7 +6882,7 @@
             </p:txBody>
           </p:sp>
         </mc:Choice>
-        <mc:Fallback>
+        <mc:Fallback xmlns="">
           <p:sp>
             <p:nvSpPr>
               <p:cNvPr id="11" name="TextBox 10">
@@ -6993,7 +7025,6 @@
           </a:bodyPr>
           <a:lstStyle/>
           <a:p>
-            <a:pPr/>
             <a:r>
               <a:rPr lang="en-US" sz="1600" dirty="0"/>
               <a:t>Complete set = $338.34CAD including tax</a:t>
@@ -7154,8 +7185,8 @@
           </a:prstGeom>
         </p:spPr>
       </p:pic>
-      <mc:AlternateContent xmlns:mc="http://schemas.openxmlformats.org/markup-compatibility/2006">
-        <mc:Choice xmlns:a14="http://schemas.microsoft.com/office/drawing/2010/main" Requires="a14">
+      <mc:AlternateContent xmlns:mc="http://schemas.openxmlformats.org/markup-compatibility/2006" xmlns:a14="http://schemas.microsoft.com/office/drawing/2010/main">
+        <mc:Choice Requires="a14">
           <p:sp>
             <p:nvSpPr>
               <p:cNvPr id="24" name="TextBox 23">
@@ -7184,6 +7215,7 @@
               </a:bodyPr>
               <a:lstStyle/>
               <a:p>
+                <a:pPr/>
                 <a14:m>
                   <m:oMathPara xmlns:m="http://schemas.openxmlformats.org/officeDocument/2006/math">
                     <m:oMathParaPr>
@@ -7204,7 +7236,7 @@
             </p:txBody>
           </p:sp>
         </mc:Choice>
-        <mc:Fallback>
+        <mc:Fallback xmlns="">
           <p:sp>
             <p:nvSpPr>
               <p:cNvPr id="24" name="TextBox 23">
@@ -7410,10 +7442,15 @@
             <p:ph type="title"/>
           </p:nvPr>
         </p:nvSpPr>
-        <p:spPr/>
+        <p:spPr>
+          <a:xfrm>
+            <a:off x="685800" y="1087582"/>
+            <a:ext cx="6164653" cy="699655"/>
+          </a:xfrm>
+        </p:spPr>
         <p:txBody>
           <a:bodyPr>
-            <a:normAutofit/>
+            <a:normAutofit fontScale="90000"/>
           </a:bodyPr>
           <a:lstStyle/>
           <a:p>
@@ -7445,16 +7482,39 @@
             <p:ph type="body" sz="half" idx="2"/>
           </p:nvPr>
         </p:nvSpPr>
-        <p:spPr/>
+        <p:spPr>
+          <a:xfrm>
+            <a:off x="685800" y="1995055"/>
+            <a:ext cx="6164653" cy="4350327"/>
+          </a:xfrm>
+        </p:spPr>
         <p:txBody>
           <a:bodyPr>
-            <a:normAutofit/>
+            <a:normAutofit fontScale="77500" lnSpcReduction="20000"/>
           </a:bodyPr>
           <a:lstStyle/>
           <a:p>
             <a:r>
-              <a:rPr lang="en-US" sz="5400" dirty="0"/>
-              <a:t>NOT SURE IF TO ADD THIS</a:t>
+              <a:rPr lang="en-US" sz="2300" dirty="0"/>
+              <a:t>First of all, set up the raspberry pi hardware connection with the single contact key. Making sure the ground and the source power are properly connected.</a:t>
+            </a:r>
+          </a:p>
+          <a:p>
+            <a:r>
+              <a:rPr lang="en-US" sz="2300" dirty="0"/>
+              <a:t>Secondly, a connection has to be established between the two raspberry pi devices so a stable network connection is required. One of the two devices run as the client while the other runs as the server. Both devices would connect using the server’s IP address, so before executing any source codes, the IP address has to be sorted out. Once the code is executed successfully, a message that reads “Ready” will be displayed on both screen. </a:t>
+            </a:r>
+          </a:p>
+          <a:p>
+            <a:r>
+              <a:rPr lang="en-US" sz="2300" dirty="0"/>
+              <a:t>Next, User can start entering the Morse codes using the single contact key. The Morse codes are sent to the database immediately before being transmitted to the other user.</a:t>
+            </a:r>
+          </a:p>
+          <a:p>
+            <a:r>
+              <a:rPr lang="en-US" sz="2300" dirty="0"/>
+              <a:t>The receiving end gets the Morse codes translated into English. The receiving user is also able to send back to the sender by entering Morse codes using the single contact key. </a:t>
             </a:r>
           </a:p>
         </p:txBody>
@@ -7477,10 +7537,371 @@
         </p:nvSpPr>
         <p:spPr/>
       </p:sp>
+      <p:pic>
+        <p:nvPicPr>
+          <p:cNvPr id="7" name="Picture 6"/>
+          <p:cNvPicPr>
+            <a:picLocks noChangeAspect="1"/>
+          </p:cNvPicPr>
+          <p:nvPr/>
+        </p:nvPicPr>
+        <p:blipFill>
+          <a:blip r:embed="rId2">
+            <a:extLst>
+              <a:ext uri="{28A0092B-C50C-407E-A947-70E740481C1C}">
+                <a14:useLocalDpi xmlns:a14="http://schemas.microsoft.com/office/drawing/2010/main" val="0"/>
+              </a:ext>
+            </a:extLst>
+          </a:blip>
+          <a:stretch>
+            <a:fillRect/>
+          </a:stretch>
+        </p:blipFill>
+        <p:spPr>
+          <a:xfrm>
+            <a:off x="7536253" y="914400"/>
+            <a:ext cx="3280974" cy="4572000"/>
+          </a:xfrm>
+          <a:prstGeom prst="rect">
+            <a:avLst/>
+          </a:prstGeom>
+        </p:spPr>
+      </p:pic>
     </p:spTree>
     <p:extLst>
       <p:ext uri="{BB962C8B-B14F-4D97-AF65-F5344CB8AC3E}">
         <p14:creationId xmlns:p14="http://schemas.microsoft.com/office/powerpoint/2010/main" val="3340314107"/>
+      </p:ext>
+    </p:extLst>
+  </p:cSld>
+  <p:clrMapOvr>
+    <a:masterClrMapping/>
+  </p:clrMapOvr>
+</p:sld>
+</file>
+
+<file path=ppt/slides/slide7.xml><?xml version="1.0" encoding="utf-8"?>
+<p:sld xmlns:a="http://schemas.openxmlformats.org/drawingml/2006/main" xmlns:r="http://schemas.openxmlformats.org/officeDocument/2006/relationships" xmlns:p="http://schemas.openxmlformats.org/presentationml/2006/main">
+  <p:cSld>
+    <p:spTree>
+      <p:nvGrpSpPr>
+        <p:cNvPr id="1" name=""/>
+        <p:cNvGrpSpPr/>
+        <p:nvPr/>
+      </p:nvGrpSpPr>
+      <p:grpSpPr>
+        <a:xfrm>
+          <a:off x="0" y="0"/>
+          <a:ext cx="0" cy="0"/>
+          <a:chOff x="0" y="0"/>
+          <a:chExt cx="0" cy="0"/>
+        </a:xfrm>
+      </p:grpSpPr>
+      <p:sp>
+        <p:nvSpPr>
+          <p:cNvPr id="2" name="Title 1"/>
+          <p:cNvSpPr>
+            <a:spLocks noGrp="1"/>
+          </p:cNvSpPr>
+          <p:nvPr>
+            <p:ph type="title"/>
+          </p:nvPr>
+        </p:nvSpPr>
+        <p:spPr/>
+        <p:txBody>
+          <a:bodyPr>
+            <a:normAutofit/>
+          </a:bodyPr>
+          <a:lstStyle/>
+          <a:p>
+            <a:r>
+              <a:rPr lang="en-US" sz="2400" dirty="0">
+                <a:solidFill>
+                  <a:schemeClr val="bg1"/>
+                </a:solidFill>
+                <a:latin typeface="Algerian" panose="04020705040A02060702" pitchFamily="82" charset="0"/>
+              </a:rPr>
+              <a:t>What we’ve learned for this project</a:t>
+            </a:r>
+          </a:p>
+        </p:txBody>
+      </p:sp>
+      <p:sp>
+        <p:nvSpPr>
+          <p:cNvPr id="4" name="Text Placeholder 3"/>
+          <p:cNvSpPr>
+            <a:spLocks noGrp="1"/>
+          </p:cNvSpPr>
+          <p:nvPr>
+            <p:ph type="body" sz="half" idx="2"/>
+          </p:nvPr>
+        </p:nvSpPr>
+        <p:spPr>
+          <a:xfrm>
+            <a:off x="685800" y="2971800"/>
+            <a:ext cx="9341069" cy="2136228"/>
+          </a:xfrm>
+        </p:spPr>
+        <p:txBody>
+          <a:bodyPr/>
+          <a:lstStyle/>
+          <a:p>
+            <a:pPr marL="285750" indent="-285750">
+              <a:buFont typeface="Arial" panose="020B0604020202020204" pitchFamily="34" charset="0"/>
+              <a:buChar char="•"/>
+            </a:pPr>
+            <a:r>
+              <a:rPr lang="en-US" dirty="0"/>
+              <a:t>Python code for connecting to DB</a:t>
+            </a:r>
+          </a:p>
+          <a:p>
+            <a:pPr marL="285750" indent="-285750">
+              <a:buFont typeface="Arial" panose="020B0604020202020204" pitchFamily="34" charset="0"/>
+              <a:buChar char="•"/>
+            </a:pPr>
+            <a:r>
+              <a:rPr lang="en-US" dirty="0"/>
+              <a:t>JSON objects for fetching from DB in Java and PHP</a:t>
+            </a:r>
+          </a:p>
+          <a:p>
+            <a:pPr marL="285750" indent="-285750">
+              <a:buFont typeface="Arial" panose="020B0604020202020204" pitchFamily="34" charset="0"/>
+              <a:buChar char="•"/>
+            </a:pPr>
+            <a:r>
+              <a:rPr lang="en-US" dirty="0"/>
+              <a:t>Hardware and Software Solution for </a:t>
+            </a:r>
+            <a:r>
+              <a:rPr lang="en-US" dirty="0" err="1"/>
+              <a:t>Debouncing</a:t>
+            </a:r>
+            <a:endParaRPr lang="en-US" dirty="0"/>
+          </a:p>
+          <a:p>
+            <a:pPr marL="285750" indent="-285750">
+              <a:buFont typeface="Arial" panose="020B0604020202020204" pitchFamily="34" charset="0"/>
+              <a:buChar char="•"/>
+            </a:pPr>
+            <a:r>
+              <a:rPr lang="en-US" dirty="0"/>
+              <a:t>XML views not fully discussed and learned in previous course</a:t>
+            </a:r>
+          </a:p>
+          <a:p>
+            <a:pPr marL="285750" indent="-285750">
+              <a:buFont typeface="Arial" panose="020B0604020202020204" pitchFamily="34" charset="0"/>
+              <a:buChar char="•"/>
+            </a:pPr>
+            <a:endParaRPr lang="en-US" dirty="0"/>
+          </a:p>
+          <a:p>
+            <a:pPr marL="285750" indent="-285750">
+              <a:buFont typeface="Arial" panose="020B0604020202020204" pitchFamily="34" charset="0"/>
+              <a:buChar char="•"/>
+            </a:pPr>
+            <a:endParaRPr lang="en-US" dirty="0"/>
+          </a:p>
+          <a:p>
+            <a:pPr marL="285750" indent="-285750">
+              <a:buFont typeface="Arial" panose="020B0604020202020204" pitchFamily="34" charset="0"/>
+              <a:buChar char="•"/>
+            </a:pPr>
+            <a:endParaRPr lang="en-US" dirty="0"/>
+          </a:p>
+        </p:txBody>
+      </p:sp>
+    </p:spTree>
+    <p:extLst>
+      <p:ext uri="{BB962C8B-B14F-4D97-AF65-F5344CB8AC3E}">
+        <p14:creationId xmlns:p14="http://schemas.microsoft.com/office/powerpoint/2010/main" val="93796906"/>
+      </p:ext>
+    </p:extLst>
+  </p:cSld>
+  <p:clrMapOvr>
+    <a:masterClrMapping/>
+  </p:clrMapOvr>
+</p:sld>
+</file>
+
+<file path=ppt/slides/slide8.xml><?xml version="1.0" encoding="utf-8"?>
+<p:sld xmlns:a="http://schemas.openxmlformats.org/drawingml/2006/main" xmlns:r="http://schemas.openxmlformats.org/officeDocument/2006/relationships" xmlns:p="http://schemas.openxmlformats.org/presentationml/2006/main">
+  <p:cSld>
+    <p:spTree>
+      <p:nvGrpSpPr>
+        <p:cNvPr id="1" name=""/>
+        <p:cNvGrpSpPr/>
+        <p:nvPr/>
+      </p:nvGrpSpPr>
+      <p:grpSpPr>
+        <a:xfrm>
+          <a:off x="0" y="0"/>
+          <a:ext cx="0" cy="0"/>
+          <a:chOff x="0" y="0"/>
+          <a:chExt cx="0" cy="0"/>
+        </a:xfrm>
+      </p:grpSpPr>
+      <p:sp>
+        <p:nvSpPr>
+          <p:cNvPr id="2" name="Title 1">
+            <a:extLst>
+              <a:ext uri="{FF2B5EF4-FFF2-40B4-BE49-F238E27FC236}">
+                <a16:creationId xmlns:a16="http://schemas.microsoft.com/office/drawing/2014/main" id="{89B6456F-A522-4D09-9315-9F3C289652C5}"/>
+              </a:ext>
+            </a:extLst>
+          </p:cNvPr>
+          <p:cNvSpPr>
+            <a:spLocks noGrp="1"/>
+          </p:cNvSpPr>
+          <p:nvPr>
+            <p:ph type="title"/>
+          </p:nvPr>
+        </p:nvSpPr>
+        <p:spPr>
+          <a:xfrm>
+            <a:off x="2528610" y="595745"/>
+            <a:ext cx="7134780" cy="1371600"/>
+          </a:xfrm>
+        </p:spPr>
+        <p:txBody>
+          <a:bodyPr>
+            <a:normAutofit/>
+          </a:bodyPr>
+          <a:lstStyle/>
+          <a:p>
+            <a:r>
+              <a:rPr lang="en-US" dirty="0">
+                <a:solidFill>
+                  <a:schemeClr val="bg1"/>
+                </a:solidFill>
+                <a:latin typeface="Algerian" panose="04020705040A02060702" pitchFamily="82" charset="0"/>
+              </a:rPr>
+              <a:t>Potential Future of </a:t>
+            </a:r>
+            <a:r>
+              <a:rPr lang="en-US" dirty="0" err="1">
+                <a:solidFill>
+                  <a:schemeClr val="bg1"/>
+                </a:solidFill>
+                <a:latin typeface="Algerian" panose="04020705040A02060702" pitchFamily="82" charset="0"/>
+              </a:rPr>
+              <a:t>morse</a:t>
+            </a:r>
+            <a:r>
+              <a:rPr lang="en-US" dirty="0">
+                <a:solidFill>
+                  <a:schemeClr val="bg1"/>
+                </a:solidFill>
+                <a:latin typeface="Algerian" panose="04020705040A02060702" pitchFamily="82" charset="0"/>
+              </a:rPr>
+              <a:t> pi project</a:t>
+            </a:r>
+          </a:p>
+        </p:txBody>
+      </p:sp>
+      <p:sp>
+        <p:nvSpPr>
+          <p:cNvPr id="4" name="Text Placeholder 3">
+            <a:extLst>
+              <a:ext uri="{FF2B5EF4-FFF2-40B4-BE49-F238E27FC236}">
+                <a16:creationId xmlns:a16="http://schemas.microsoft.com/office/drawing/2014/main" id="{543DB67D-068A-4874-90BC-6177621A91E1}"/>
+              </a:ext>
+            </a:extLst>
+          </p:cNvPr>
+          <p:cNvSpPr>
+            <a:spLocks noGrp="1"/>
+          </p:cNvSpPr>
+          <p:nvPr>
+            <p:ph type="body" sz="half" idx="2"/>
+          </p:nvPr>
+        </p:nvSpPr>
+        <p:spPr>
+          <a:xfrm>
+            <a:off x="1392381" y="2272145"/>
+            <a:ext cx="9407237" cy="3546764"/>
+          </a:xfrm>
+        </p:spPr>
+        <p:txBody>
+          <a:bodyPr/>
+          <a:lstStyle/>
+          <a:p>
+            <a:pPr marL="285750" indent="-285750">
+              <a:buFont typeface="Arial" panose="020B0604020202020204" pitchFamily="34" charset="0"/>
+              <a:buChar char="•"/>
+            </a:pPr>
+            <a:r>
+              <a:rPr lang="en-US" sz="2400" dirty="0"/>
+              <a:t>Radio channels on the Android device for different users to connect and exchange messages</a:t>
+            </a:r>
+          </a:p>
+          <a:p>
+            <a:pPr marL="285750" indent="-285750">
+              <a:buFont typeface="Arial" panose="020B0604020202020204" pitchFamily="34" charset="0"/>
+              <a:buChar char="•"/>
+            </a:pPr>
+            <a:r>
+              <a:rPr lang="en-US" sz="2400" dirty="0"/>
+              <a:t>Android device as a third person in the chain of communication. This would enable the mobile device as not just a receiver but also a sender. </a:t>
+            </a:r>
+          </a:p>
+          <a:p>
+            <a:pPr marL="285750" indent="-285750">
+              <a:buFont typeface="Arial" panose="020B0604020202020204" pitchFamily="34" charset="0"/>
+              <a:buChar char="•"/>
+            </a:pPr>
+            <a:r>
+              <a:rPr lang="en-US" sz="2400" dirty="0"/>
+              <a:t>Friendly UI on raspberry pi devices</a:t>
+            </a:r>
+          </a:p>
+          <a:p>
+            <a:pPr marL="285750" indent="-285750">
+              <a:buFont typeface="Arial" panose="020B0604020202020204" pitchFamily="34" charset="0"/>
+              <a:buChar char="•"/>
+            </a:pPr>
+            <a:r>
+              <a:rPr lang="en-US" sz="2400" dirty="0"/>
+              <a:t>Database table for users</a:t>
+            </a:r>
+          </a:p>
+        </p:txBody>
+      </p:sp>
+      <p:pic>
+        <p:nvPicPr>
+          <p:cNvPr id="5" name="Picture 4">
+            <a:extLst>
+              <a:ext uri="{FF2B5EF4-FFF2-40B4-BE49-F238E27FC236}">
+                <a16:creationId xmlns:a16="http://schemas.microsoft.com/office/drawing/2014/main" id="{31108A48-78CF-4B75-92EB-03E1FEA89D5C}"/>
+              </a:ext>
+            </a:extLst>
+          </p:cNvPr>
+          <p:cNvPicPr>
+            <a:picLocks noChangeAspect="1"/>
+          </p:cNvPicPr>
+          <p:nvPr/>
+        </p:nvPicPr>
+        <p:blipFill>
+          <a:blip r:embed="rId2"/>
+          <a:stretch>
+            <a:fillRect/>
+          </a:stretch>
+        </p:blipFill>
+        <p:spPr>
+          <a:xfrm>
+            <a:off x="6570526" y="4128654"/>
+            <a:ext cx="4229092" cy="1798493"/>
+          </a:xfrm>
+          <a:prstGeom prst="rect">
+            <a:avLst/>
+          </a:prstGeom>
+        </p:spPr>
+      </p:pic>
+    </p:spTree>
+    <p:extLst>
+      <p:ext uri="{BB962C8B-B14F-4D97-AF65-F5344CB8AC3E}">
+        <p14:creationId xmlns:p14="http://schemas.microsoft.com/office/powerpoint/2010/main" val="2955256913"/>
       </p:ext>
     </p:extLst>
   </p:cSld>

--- a/Morsepi presentation.pptx
+++ b/Morsepi presentation.pptx
@@ -5,7 +5,7 @@
     <p:sldMasterId id="2147483648" r:id="rId1"/>
   </p:sldMasterIdLst>
   <p:notesMasterIdLst>
-    <p:notesMasterId r:id="rId10"/>
+    <p:notesMasterId r:id="rId11"/>
   </p:notesMasterIdLst>
   <p:sldIdLst>
     <p:sldId id="256" r:id="rId2"/>
@@ -14,8 +14,9 @@
     <p:sldId id="261" r:id="rId5"/>
     <p:sldId id="262" r:id="rId6"/>
     <p:sldId id="259" r:id="rId7"/>
-    <p:sldId id="263" r:id="rId8"/>
-    <p:sldId id="264" r:id="rId9"/>
+    <p:sldId id="265" r:id="rId8"/>
+    <p:sldId id="263" r:id="rId9"/>
+    <p:sldId id="264" r:id="rId10"/>
   </p:sldIdLst>
   <p:sldSz cx="12192000" cy="6858000"/>
   <p:notesSz cx="6858000" cy="9144000"/>
@@ -7607,6 +7608,130 @@
             <p:ph type="title"/>
           </p:nvPr>
         </p:nvSpPr>
+        <p:spPr>
+          <a:xfrm>
+            <a:off x="2771078" y="763858"/>
+            <a:ext cx="6164653" cy="1371600"/>
+          </a:xfrm>
+        </p:spPr>
+        <p:txBody>
+          <a:bodyPr/>
+          <a:lstStyle/>
+          <a:p>
+            <a:r>
+              <a:rPr lang="en-US" dirty="0" smtClean="0"/>
+              <a:t>Courses that helped us be successful in our system project</a:t>
+            </a:r>
+            <a:endParaRPr lang="en-US" dirty="0"/>
+          </a:p>
+        </p:txBody>
+      </p:sp>
+      <p:sp>
+        <p:nvSpPr>
+          <p:cNvPr id="4" name="Text Placeholder 3"/>
+          <p:cNvSpPr>
+            <a:spLocks noGrp="1"/>
+          </p:cNvSpPr>
+          <p:nvPr>
+            <p:ph type="body" sz="half" idx="2"/>
+          </p:nvPr>
+        </p:nvSpPr>
+        <p:spPr>
+          <a:xfrm>
+            <a:off x="2197100" y="2705100"/>
+            <a:ext cx="7500631" cy="2984500"/>
+          </a:xfrm>
+        </p:spPr>
+        <p:txBody>
+          <a:bodyPr>
+            <a:normAutofit/>
+          </a:bodyPr>
+          <a:lstStyle/>
+          <a:p>
+            <a:r>
+              <a:rPr lang="en-US" dirty="0" smtClean="0"/>
+              <a:t>CENG 320 – Network Program (socket programming)</a:t>
+            </a:r>
+          </a:p>
+          <a:p>
+            <a:r>
+              <a:rPr lang="en-US" dirty="0" smtClean="0"/>
+              <a:t>CENG 319 – Software Project (Android Studios, Java)</a:t>
+            </a:r>
+          </a:p>
+          <a:p>
+            <a:r>
+              <a:rPr lang="en-US" dirty="0" smtClean="0"/>
+              <a:t>CENG 251 – Unix Internals (familiarity with Linux based environment)</a:t>
+            </a:r>
+          </a:p>
+          <a:p>
+            <a:r>
+              <a:rPr lang="en-US" dirty="0" smtClean="0"/>
+              <a:t>CENG 256 – Internet Programming(PHP)</a:t>
+            </a:r>
+          </a:p>
+          <a:p>
+            <a:r>
+              <a:rPr lang="en-US" dirty="0" smtClean="0"/>
+              <a:t>CENG 254 – Database with Java (MySQL) </a:t>
+            </a:r>
+          </a:p>
+          <a:p>
+            <a:r>
+              <a:rPr lang="en-US" dirty="0" smtClean="0"/>
+              <a:t>CENG 252 – Embedded Systems (Understanding System I/O)</a:t>
+            </a:r>
+          </a:p>
+          <a:p>
+            <a:r>
+              <a:rPr lang="en-US" dirty="0" smtClean="0"/>
+              <a:t> </a:t>
+            </a:r>
+            <a:endParaRPr lang="en-US" dirty="0"/>
+          </a:p>
+        </p:txBody>
+      </p:sp>
+    </p:spTree>
+    <p:extLst>
+      <p:ext uri="{BB962C8B-B14F-4D97-AF65-F5344CB8AC3E}">
+        <p14:creationId xmlns:p14="http://schemas.microsoft.com/office/powerpoint/2010/main" val="982256947"/>
+      </p:ext>
+    </p:extLst>
+  </p:cSld>
+  <p:clrMapOvr>
+    <a:masterClrMapping/>
+  </p:clrMapOvr>
+</p:sld>
+</file>
+
+<file path=ppt/slides/slide8.xml><?xml version="1.0" encoding="utf-8"?>
+<p:sld xmlns:a="http://schemas.openxmlformats.org/drawingml/2006/main" xmlns:r="http://schemas.openxmlformats.org/officeDocument/2006/relationships" xmlns:p="http://schemas.openxmlformats.org/presentationml/2006/main">
+  <p:cSld>
+    <p:spTree>
+      <p:nvGrpSpPr>
+        <p:cNvPr id="1" name=""/>
+        <p:cNvGrpSpPr/>
+        <p:nvPr/>
+      </p:nvGrpSpPr>
+      <p:grpSpPr>
+        <a:xfrm>
+          <a:off x="0" y="0"/>
+          <a:ext cx="0" cy="0"/>
+          <a:chOff x="0" y="0"/>
+          <a:chExt cx="0" cy="0"/>
+        </a:xfrm>
+      </p:grpSpPr>
+      <p:sp>
+        <p:nvSpPr>
+          <p:cNvPr id="2" name="Title 1"/>
+          <p:cNvSpPr>
+            <a:spLocks noGrp="1"/>
+          </p:cNvSpPr>
+          <p:nvPr>
+            <p:ph type="title"/>
+          </p:nvPr>
+        </p:nvSpPr>
         <p:spPr/>
         <p:txBody>
           <a:bodyPr>
@@ -7726,7 +7851,7 @@
 </p:sld>
 </file>
 
-<file path=ppt/slides/slide8.xml><?xml version="1.0" encoding="utf-8"?>
+<file path=ppt/slides/slide9.xml><?xml version="1.0" encoding="utf-8"?>
 <p:sld xmlns:a="http://schemas.openxmlformats.org/drawingml/2006/main" xmlns:r="http://schemas.openxmlformats.org/officeDocument/2006/relationships" xmlns:p="http://schemas.openxmlformats.org/presentationml/2006/main">
   <p:cSld>
     <p:spTree>

--- a/Morsepi presentation.pptx
+++ b/Morsepi presentation.pptx
@@ -5,7 +5,7 @@
     <p:sldMasterId id="2147483648" r:id="rId1"/>
   </p:sldMasterIdLst>
   <p:notesMasterIdLst>
-    <p:notesMasterId r:id="rId11"/>
+    <p:notesMasterId r:id="rId12"/>
   </p:notesMasterIdLst>
   <p:sldIdLst>
     <p:sldId id="256" r:id="rId2"/>
@@ -17,6 +17,7 @@
     <p:sldId id="265" r:id="rId8"/>
     <p:sldId id="263" r:id="rId9"/>
     <p:sldId id="264" r:id="rId10"/>
+    <p:sldId id="266" r:id="rId11"/>
   </p:sldIdLst>
   <p:sldSz cx="12192000" cy="6858000"/>
   <p:notesSz cx="6858000" cy="9144000"/>
@@ -6268,6 +6269,168 @@
     <p:extLst>
       <p:ext uri="{BB962C8B-B14F-4D97-AF65-F5344CB8AC3E}">
         <p14:creationId xmlns:p14="http://schemas.microsoft.com/office/powerpoint/2010/main" val="2526593619"/>
+      </p:ext>
+    </p:extLst>
+  </p:cSld>
+  <p:clrMapOvr>
+    <a:masterClrMapping/>
+  </p:clrMapOvr>
+</p:sld>
+</file>
+
+<file path=ppt/slides/slide10.xml><?xml version="1.0" encoding="utf-8"?>
+<p:sld xmlns:a="http://schemas.openxmlformats.org/drawingml/2006/main" xmlns:r="http://schemas.openxmlformats.org/officeDocument/2006/relationships" xmlns:p="http://schemas.openxmlformats.org/presentationml/2006/main">
+  <p:cSld>
+    <p:spTree>
+      <p:nvGrpSpPr>
+        <p:cNvPr id="1" name=""/>
+        <p:cNvGrpSpPr/>
+        <p:nvPr/>
+      </p:nvGrpSpPr>
+      <p:grpSpPr>
+        <a:xfrm>
+          <a:off x="0" y="0"/>
+          <a:ext cx="0" cy="0"/>
+          <a:chOff x="0" y="0"/>
+          <a:chExt cx="0" cy="0"/>
+        </a:xfrm>
+      </p:grpSpPr>
+      <p:sp>
+        <p:nvSpPr>
+          <p:cNvPr id="2" name="Title 1"/>
+          <p:cNvSpPr>
+            <a:spLocks noGrp="1"/>
+          </p:cNvSpPr>
+          <p:nvPr>
+            <p:ph type="title"/>
+          </p:nvPr>
+        </p:nvSpPr>
+        <p:spPr>
+          <a:xfrm>
+            <a:off x="2867623" y="469900"/>
+            <a:ext cx="6164653" cy="1371600"/>
+          </a:xfrm>
+        </p:spPr>
+        <p:txBody>
+          <a:bodyPr/>
+          <a:lstStyle/>
+          <a:p>
+            <a:r>
+              <a:rPr lang="en-US" dirty="0" smtClean="0"/>
+              <a:t>What we would do differently </a:t>
+            </a:r>
+            <a:endParaRPr lang="en-US" dirty="0"/>
+          </a:p>
+        </p:txBody>
+      </p:sp>
+      <p:sp>
+        <p:nvSpPr>
+          <p:cNvPr id="4" name="Text Placeholder 3"/>
+          <p:cNvSpPr>
+            <a:spLocks noGrp="1"/>
+          </p:cNvSpPr>
+          <p:nvPr>
+            <p:ph type="body" sz="half" idx="2"/>
+          </p:nvPr>
+        </p:nvSpPr>
+        <p:spPr>
+          <a:xfrm>
+            <a:off x="2006600" y="2679700"/>
+            <a:ext cx="8293100" cy="3365500"/>
+          </a:xfrm>
+        </p:spPr>
+        <p:txBody>
+          <a:bodyPr>
+            <a:normAutofit/>
+          </a:bodyPr>
+          <a:lstStyle/>
+          <a:p>
+            <a:r>
+              <a:rPr lang="en-US" dirty="0" smtClean="0"/>
+              <a:t>Pi Login feature </a:t>
+            </a:r>
+            <a:br>
+              <a:rPr lang="en-US" dirty="0" smtClean="0"/>
+            </a:br>
+            <a:r>
+              <a:rPr lang="en-US" dirty="0" smtClean="0"/>
+              <a:t/>
+            </a:r>
+            <a:br>
+              <a:rPr lang="en-US" dirty="0" smtClean="0"/>
+            </a:br>
+            <a:r>
+              <a:rPr lang="en-US" dirty="0" smtClean="0"/>
+              <a:t>Design a PCB that would fit the LCD display and a Morse Paddle </a:t>
+            </a:r>
+          </a:p>
+          <a:p>
+            <a:endParaRPr lang="en-US" dirty="0" smtClean="0"/>
+          </a:p>
+          <a:p>
+            <a:r>
+              <a:rPr lang="en-US" dirty="0" smtClean="0"/>
+              <a:t/>
+            </a:r>
+            <a:br>
+              <a:rPr lang="en-US" dirty="0" smtClean="0"/>
+            </a:br>
+            <a:r>
+              <a:rPr lang="en-US" dirty="0" smtClean="0"/>
+              <a:t/>
+            </a:r>
+            <a:br>
+              <a:rPr lang="en-US" dirty="0" smtClean="0"/>
+            </a:br>
+            <a:endParaRPr lang="en-US" dirty="0"/>
+          </a:p>
+        </p:txBody>
+      </p:sp>
+      <p:pic>
+        <p:nvPicPr>
+          <p:cNvPr id="1026" name="Picture 2" descr="Image result for morse paddle"/>
+          <p:cNvPicPr>
+            <a:picLocks noChangeAspect="1" noChangeArrowheads="1"/>
+          </p:cNvPicPr>
+          <p:nvPr/>
+        </p:nvPicPr>
+        <p:blipFill>
+          <a:blip r:embed="rId2">
+            <a:extLst>
+              <a:ext uri="{28A0092B-C50C-407E-A947-70E740481C1C}">
+                <a14:useLocalDpi xmlns:a14="http://schemas.microsoft.com/office/drawing/2010/main" val="0"/>
+              </a:ext>
+            </a:extLst>
+          </a:blip>
+          <a:srcRect/>
+          <a:stretch>
+            <a:fillRect/>
+          </a:stretch>
+        </p:blipFill>
+        <p:spPr bwMode="auto">
+          <a:xfrm>
+            <a:off x="3368675" y="3721100"/>
+            <a:ext cx="4029075" cy="3028950"/>
+          </a:xfrm>
+          <a:prstGeom prst="rect">
+            <a:avLst/>
+          </a:prstGeom>
+          <a:noFill/>
+          <a:extLst>
+            <a:ext uri="{909E8E84-426E-40DD-AFC4-6F175D3DCCD1}">
+              <a14:hiddenFill xmlns:a14="http://schemas.microsoft.com/office/drawing/2010/main">
+                <a:solidFill>
+                  <a:srgbClr val="FFFFFF"/>
+                </a:solidFill>
+              </a14:hiddenFill>
+            </a:ext>
+          </a:extLst>
+        </p:spPr>
+      </p:pic>
+    </p:spTree>
+    <p:extLst>
+      <p:ext uri="{BB962C8B-B14F-4D97-AF65-F5344CB8AC3E}">
+        <p14:creationId xmlns:p14="http://schemas.microsoft.com/office/powerpoint/2010/main" val="4103797669"/>
       </p:ext>
     </p:extLst>
   </p:cSld>
